--- a/poster/poster.pptx
+++ b/poster/poster.pptx
@@ -3001,7 +3001,7 @@
         </p:blipFill>
         <p:spPr>
           <a:xfrm>
-            <a:off x="10966395" y="18201315"/>
+            <a:off x="12849876" y="19859532"/>
             <a:ext cx="5852172" cy="4389129"/>
           </a:xfrm>
           <a:prstGeom prst="rect">
@@ -3037,7 +3037,7 @@
         </p:blipFill>
         <p:spPr>
           <a:xfrm>
-            <a:off x="6266458" y="24115736"/>
+            <a:off x="9923790" y="24980851"/>
             <a:ext cx="5852172" cy="4389129"/>
           </a:xfrm>
           <a:prstGeom prst="rect">
@@ -3073,7 +3073,7 @@
         </p:blipFill>
         <p:spPr>
           <a:xfrm>
-            <a:off x="12434138" y="24115736"/>
+            <a:off x="15318167" y="24980851"/>
             <a:ext cx="5852172" cy="4389129"/>
           </a:xfrm>
           <a:prstGeom prst="rect">
@@ -3109,8 +3109,8 @@
         </p:blipFill>
         <p:spPr>
           <a:xfrm>
-            <a:off x="1928757" y="13646622"/>
-            <a:ext cx="7326801" cy="5495100"/>
+            <a:off x="12958813" y="14216801"/>
+            <a:ext cx="6678017" cy="5008512"/>
           </a:xfrm>
           <a:prstGeom prst="rect">
             <a:avLst/>
@@ -3145,7 +3145,7 @@
         </p:blipFill>
         <p:spPr>
           <a:xfrm>
-            <a:off x="2666072" y="19310059"/>
+            <a:off x="1471259" y="19859532"/>
             <a:ext cx="5852172" cy="4389129"/>
           </a:xfrm>
           <a:prstGeom prst="rect">
@@ -3153,54 +3153,6 @@
           </a:prstGeom>
         </p:spPr>
       </p:pic>
-      <p:sp>
-        <p:nvSpPr>
-          <p:cNvPr id="14" name="Rectangle: Rounded Corners 13">
-            <a:extLst>
-              <a:ext uri="{FF2B5EF4-FFF2-40B4-BE49-F238E27FC236}">
-                <a16:creationId xmlns:a16="http://schemas.microsoft.com/office/drawing/2014/main" id="{12E28B0C-E29D-E69F-8D25-3301192DA20B}"/>
-              </a:ext>
-            </a:extLst>
-          </p:cNvPr>
-          <p:cNvSpPr/>
-          <p:nvPr/>
-        </p:nvSpPr>
-        <p:spPr>
-          <a:xfrm>
-            <a:off x="633658" y="297360"/>
-            <a:ext cx="42216141" cy="2569497"/>
-          </a:xfrm>
-          <a:prstGeom prst="roundRect">
-            <a:avLst/>
-          </a:prstGeom>
-          <a:noFill/>
-          <a:ln w="38100"/>
-        </p:spPr>
-        <p:style>
-          <a:lnRef idx="2">
-            <a:schemeClr val="accent1">
-              <a:shade val="15000"/>
-            </a:schemeClr>
-          </a:lnRef>
-          <a:fillRef idx="1">
-            <a:schemeClr val="accent1"/>
-          </a:fillRef>
-          <a:effectRef idx="0">
-            <a:schemeClr val="accent1"/>
-          </a:effectRef>
-          <a:fontRef idx="minor">
-            <a:schemeClr val="lt1"/>
-          </a:fontRef>
-        </p:style>
-        <p:txBody>
-          <a:bodyPr rtlCol="0" anchor="ctr"/>
-          <a:lstStyle/>
-          <a:p>
-            <a:pPr algn="ctr"/>
-            <a:endParaRPr lang="en-US"/>
-          </a:p>
-        </p:txBody>
-      </p:sp>
       <p:pic>
         <p:nvPicPr>
           <p:cNvPr id="4" name="Graphic 3">
@@ -3229,7 +3181,7 @@
         </p:blipFill>
         <p:spPr>
           <a:xfrm>
-            <a:off x="33601516" y="9386645"/>
+            <a:off x="33601516" y="10704457"/>
             <a:ext cx="5848350" cy="4391025"/>
           </a:xfrm>
           <a:prstGeom prst="rect">
@@ -3265,7 +3217,7 @@
         </p:blipFill>
         <p:spPr>
           <a:xfrm>
-            <a:off x="28292050" y="5086647"/>
+            <a:off x="28292050" y="6404459"/>
             <a:ext cx="5848350" cy="4391025"/>
           </a:xfrm>
           <a:prstGeom prst="rect">
@@ -3301,7 +3253,7 @@
         </p:blipFill>
         <p:spPr>
           <a:xfrm>
-            <a:off x="28292050" y="9477672"/>
+            <a:off x="28292050" y="10795484"/>
             <a:ext cx="5848350" cy="4391025"/>
           </a:xfrm>
           <a:prstGeom prst="rect">
@@ -3337,7 +3289,7 @@
         </p:blipFill>
         <p:spPr>
           <a:xfrm>
-            <a:off x="33571328" y="5152663"/>
+            <a:off x="33571328" y="6470475"/>
             <a:ext cx="5848350" cy="4391025"/>
           </a:xfrm>
           <a:prstGeom prst="rect">
@@ -3373,7 +3325,7 @@
         </p:blipFill>
         <p:spPr>
           <a:xfrm>
-            <a:off x="22720862" y="9386646"/>
+            <a:off x="22720862" y="10704458"/>
             <a:ext cx="5848350" cy="4391025"/>
           </a:xfrm>
           <a:prstGeom prst="rect">
@@ -3409,7 +3361,7 @@
         </p:blipFill>
         <p:spPr>
           <a:xfrm>
-            <a:off x="22561949" y="4995621"/>
+            <a:off x="22570416" y="6313433"/>
             <a:ext cx="5848350" cy="4391025"/>
           </a:xfrm>
           <a:prstGeom prst="rect">
@@ -3431,11 +3383,13 @@
         </p:nvSpPr>
         <p:spPr>
           <a:xfrm>
-            <a:off x="1041402" y="3645749"/>
+            <a:off x="1041402" y="4708374"/>
             <a:ext cx="20128937" cy="7812296"/>
           </a:xfrm>
           <a:prstGeom prst="roundRect">
-            <a:avLst/>
+            <a:avLst>
+              <a:gd name="adj" fmla="val 11767"/>
+            </a:avLst>
           </a:prstGeom>
           <a:noFill/>
           <a:ln w="38100"/>
@@ -3479,12 +3433,12 @@
         </p:nvSpPr>
         <p:spPr>
           <a:xfrm>
-            <a:off x="1041402" y="11919983"/>
-            <a:ext cx="20128937" cy="18170157"/>
+            <a:off x="1041402" y="12886034"/>
+            <a:ext cx="20128937" cy="16790028"/>
           </a:xfrm>
           <a:prstGeom prst="roundRect">
             <a:avLst>
-              <a:gd name="adj" fmla="val 10936"/>
+              <a:gd name="adj" fmla="val 6279"/>
             </a:avLst>
           </a:prstGeom>
           <a:noFill/>
@@ -3529,12 +3483,12 @@
         </p:nvSpPr>
         <p:spPr>
           <a:xfrm>
-            <a:off x="22720860" y="3645749"/>
-            <a:ext cx="20128937" cy="19562593"/>
+            <a:off x="22720860" y="4708374"/>
+            <a:ext cx="20128937" cy="18765484"/>
           </a:xfrm>
           <a:prstGeom prst="roundRect">
             <a:avLst>
-              <a:gd name="adj" fmla="val 10936"/>
+              <a:gd name="adj" fmla="val 6548"/>
             </a:avLst>
           </a:prstGeom>
           <a:noFill/>
@@ -3579,8 +3533,8 @@
         </p:nvSpPr>
         <p:spPr>
           <a:xfrm>
-            <a:off x="22720861" y="23828188"/>
-            <a:ext cx="20128937" cy="6261952"/>
+            <a:off x="22561950" y="23935165"/>
+            <a:ext cx="20287848" cy="5740896"/>
           </a:xfrm>
           <a:prstGeom prst="roundRect">
             <a:avLst>
@@ -3629,7 +3583,7 @@
         </p:nvSpPr>
         <p:spPr>
           <a:xfrm>
-            <a:off x="8038213" y="4933507"/>
+            <a:off x="8038213" y="5336917"/>
             <a:ext cx="4907733" cy="4339650"/>
           </a:xfrm>
           <a:prstGeom prst="rect">
@@ -3664,7 +3618,7 @@
         </p:nvSpPr>
         <p:spPr>
           <a:xfrm>
-            <a:off x="12945947" y="4933507"/>
+            <a:off x="12945947" y="5336917"/>
             <a:ext cx="5623508" cy="4339650"/>
           </a:xfrm>
           <a:prstGeom prst="rect">
@@ -3699,7 +3653,7 @@
         </p:nvSpPr>
         <p:spPr>
           <a:xfrm>
-            <a:off x="2762734" y="12396365"/>
+            <a:off x="2805264" y="13118751"/>
             <a:ext cx="15566065" cy="1015663"/>
           </a:xfrm>
           <a:prstGeom prst="rect">
@@ -3734,7 +3688,7 @@
         </p:nvSpPr>
         <p:spPr>
           <a:xfrm>
-            <a:off x="23735956" y="4070984"/>
+            <a:off x="23735956" y="5388796"/>
             <a:ext cx="15566065" cy="1015663"/>
           </a:xfrm>
           <a:prstGeom prst="rect">
@@ -3769,7 +3723,7 @@
         </p:nvSpPr>
         <p:spPr>
           <a:xfrm>
-            <a:off x="23107800" y="24202312"/>
+            <a:off x="23122761" y="24044218"/>
             <a:ext cx="15566065" cy="1015663"/>
           </a:xfrm>
           <a:prstGeom prst="rect">
@@ -3804,7 +3758,7 @@
         </p:nvSpPr>
         <p:spPr>
           <a:xfrm>
-            <a:off x="23753059" y="14578224"/>
+            <a:off x="23753059" y="15896036"/>
             <a:ext cx="16012708" cy="2215991"/>
           </a:xfrm>
           <a:prstGeom prst="rect">
@@ -3839,8 +3793,8 @@
         </p:nvSpPr>
         <p:spPr>
           <a:xfrm>
-            <a:off x="1041402" y="30505018"/>
-            <a:ext cx="41808395" cy="2116021"/>
+            <a:off x="1041402" y="29982178"/>
+            <a:ext cx="41808395" cy="2638861"/>
           </a:xfrm>
           <a:prstGeom prst="roundRect">
             <a:avLst/>
@@ -3873,6 +3827,156 @@
           </a:p>
         </p:txBody>
       </p:sp>
+      <p:sp>
+        <p:nvSpPr>
+          <p:cNvPr id="2" name="TextBox 1">
+            <a:extLst>
+              <a:ext uri="{FF2B5EF4-FFF2-40B4-BE49-F238E27FC236}">
+                <a16:creationId xmlns:a16="http://schemas.microsoft.com/office/drawing/2014/main" id="{B7F8152A-7D6D-3D4A-FEF8-4945B77787E9}"/>
+              </a:ext>
+            </a:extLst>
+          </p:cNvPr>
+          <p:cNvSpPr txBox="1"/>
+          <p:nvPr/>
+        </p:nvSpPr>
+        <p:spPr>
+          <a:xfrm>
+            <a:off x="6890658" y="288010"/>
+            <a:ext cx="30175200" cy="1446550"/>
+          </a:xfrm>
+          <a:prstGeom prst="rect">
+            <a:avLst/>
+          </a:prstGeom>
+          <a:noFill/>
+        </p:spPr>
+        <p:txBody>
+          <a:bodyPr wrap="square" rtlCol="0">
+            <a:spAutoFit/>
+          </a:bodyPr>
+          <a:lstStyle/>
+          <a:p>
+            <a:pPr algn="ctr"/>
+            <a:r>
+              <a:rPr lang="en-US" sz="8800" dirty="0"/>
+              <a:t>Title</a:t>
+            </a:r>
+            <a:endParaRPr lang="en-US" sz="8000" dirty="0"/>
+          </a:p>
+        </p:txBody>
+      </p:sp>
+      <p:sp>
+        <p:nvSpPr>
+          <p:cNvPr id="6" name="TextBox 5">
+            <a:extLst>
+              <a:ext uri="{FF2B5EF4-FFF2-40B4-BE49-F238E27FC236}">
+                <a16:creationId xmlns:a16="http://schemas.microsoft.com/office/drawing/2014/main" id="{69E6D48C-DF21-3917-570F-CD2C1482222E}"/>
+              </a:ext>
+            </a:extLst>
+          </p:cNvPr>
+          <p:cNvSpPr txBox="1"/>
+          <p:nvPr/>
+        </p:nvSpPr>
+        <p:spPr>
+          <a:xfrm>
+            <a:off x="18569455" y="1864657"/>
+            <a:ext cx="6543889" cy="2308324"/>
+          </a:xfrm>
+          <a:prstGeom prst="rect">
+            <a:avLst/>
+          </a:prstGeom>
+          <a:noFill/>
+        </p:spPr>
+        <p:txBody>
+          <a:bodyPr wrap="square">
+            <a:spAutoFit/>
+          </a:bodyPr>
+          <a:lstStyle/>
+          <a:p>
+            <a:r>
+              <a:rPr lang="en-US" sz="7200" dirty="0"/>
+              <a:t>Yifu Chen1</a:t>
+            </a:r>
+          </a:p>
+          <a:p>
+            <a:r>
+              <a:rPr lang="en-US" sz="7200" dirty="0"/>
+              <a:t>1UNM </a:t>
+            </a:r>
+          </a:p>
+        </p:txBody>
+      </p:sp>
+      <p:pic>
+        <p:nvPicPr>
+          <p:cNvPr id="17" name="Picture 16" descr="A black background with red letters and text&#10;&#10;Description automatically generated">
+            <a:extLst>
+              <a:ext uri="{FF2B5EF4-FFF2-40B4-BE49-F238E27FC236}">
+                <a16:creationId xmlns:a16="http://schemas.microsoft.com/office/drawing/2014/main" id="{E8C24A04-2A0E-56B3-215C-366B5D3B4ACB}"/>
+              </a:ext>
+            </a:extLst>
+          </p:cNvPr>
+          <p:cNvPicPr>
+            <a:picLocks noChangeAspect="1"/>
+          </p:cNvPicPr>
+          <p:nvPr/>
+        </p:nvPicPr>
+        <p:blipFill>
+          <a:blip r:embed="rId19">
+            <a:extLst>
+              <a:ext uri="{28A0092B-C50C-407E-A947-70E740481C1C}">
+                <a14:useLocalDpi xmlns:a14="http://schemas.microsoft.com/office/drawing/2010/main" val="0"/>
+              </a:ext>
+            </a:extLst>
+          </a:blip>
+          <a:stretch>
+            <a:fillRect/>
+          </a:stretch>
+        </p:blipFill>
+        <p:spPr>
+          <a:xfrm>
+            <a:off x="-85315" y="-188518"/>
+            <a:ext cx="4640544" cy="3326674"/>
+          </a:xfrm>
+          <a:prstGeom prst="rect">
+            <a:avLst/>
+          </a:prstGeom>
+        </p:spPr>
+      </p:pic>
+      <p:pic>
+        <p:nvPicPr>
+          <p:cNvPr id="21" name="Picture 20" descr="A red and blue logo&#10;&#10;Description automatically generated">
+            <a:extLst>
+              <a:ext uri="{FF2B5EF4-FFF2-40B4-BE49-F238E27FC236}">
+                <a16:creationId xmlns:a16="http://schemas.microsoft.com/office/drawing/2014/main" id="{8643DEDC-30FD-43BE-93AB-1BB34997989A}"/>
+              </a:ext>
+            </a:extLst>
+          </p:cNvPr>
+          <p:cNvPicPr>
+            <a:picLocks noChangeAspect="1"/>
+          </p:cNvPicPr>
+          <p:nvPr/>
+        </p:nvPicPr>
+        <p:blipFill>
+          <a:blip r:embed="rId20">
+            <a:extLst>
+              <a:ext uri="{28A0092B-C50C-407E-A947-70E740481C1C}">
+                <a14:useLocalDpi xmlns:a14="http://schemas.microsoft.com/office/drawing/2010/main" val="0"/>
+              </a:ext>
+            </a:extLst>
+          </a:blip>
+          <a:stretch>
+            <a:fillRect/>
+          </a:stretch>
+        </p:blipFill>
+        <p:spPr>
+          <a:xfrm>
+            <a:off x="39233725" y="28090"/>
+            <a:ext cx="4640543" cy="1933560"/>
+          </a:xfrm>
+          <a:prstGeom prst="rect">
+            <a:avLst/>
+          </a:prstGeom>
+        </p:spPr>
+      </p:pic>
     </p:spTree>
     <p:extLst>
       <p:ext uri="{BB962C8B-B14F-4D97-AF65-F5344CB8AC3E}">
